--- a/slide persentasi.pptx
+++ b/slide persentasi.pptx
@@ -8101,9 +8101,9 @@
         <p:grpSpPr>
           <a:xfrm>
             <a:off x="8446733" y="1227906"/>
-            <a:ext cx="3310519" cy="4564360"/>
+            <a:ext cx="3310519" cy="2734109"/>
             <a:chOff x="8462690" y="1300476"/>
-            <a:chExt cx="3310519" cy="4564360"/>
+            <a:chExt cx="3310519" cy="2734109"/>
           </a:xfrm>
         </p:grpSpPr>
         <p:sp>
@@ -8388,87 +8388,6 @@
                 <a:latin typeface="+mj-lt"/>
                 <a:cs typeface="Segoe UI" panose="020B0502040204020203" pitchFamily="34" charset="0"/>
               </a:endParaRPr>
-            </a:p>
-          </p:txBody>
-        </p:sp>
-        <p:sp>
-          <p:nvSpPr>
-            <p:cNvPr id="106" name="TextBox 105">
-              <a:extLst>
-                <a:ext uri="{FF2B5EF4-FFF2-40B4-BE49-F238E27FC236}">
-                  <a16:creationId xmlns:a16="http://schemas.microsoft.com/office/drawing/2014/main" id="{2BACDD99-66AF-423B-B714-10B1BD09EBE4}"/>
-                </a:ext>
-              </a:extLst>
-            </p:cNvPr>
-            <p:cNvSpPr txBox="1"/>
-            <p:nvPr/>
-          </p:nvSpPr>
-          <p:spPr>
-            <a:xfrm>
-              <a:off x="8462691" y="4638831"/>
-              <a:ext cx="3047138" cy="492443"/>
-            </a:xfrm>
-            <a:prstGeom prst="rect">
-              <a:avLst/>
-            </a:prstGeom>
-            <a:noFill/>
-          </p:spPr>
-          <p:txBody>
-            <a:bodyPr wrap="square" lIns="0" tIns="0" rIns="0" bIns="0" rtlCol="0">
-              <a:spAutoFit/>
-            </a:bodyPr>
-            <a:lstStyle/>
-            <a:p>
-              <a:r>
-                <a:rPr lang="en-US" sz="1600" b="1" dirty="0">
-                  <a:solidFill>
-                    <a:srgbClr val="002060"/>
-                  </a:solidFill>
-                  <a:latin typeface="Segoe UI" panose="020B0502040204020203" pitchFamily="34" charset="0"/>
-                  <a:cs typeface="Segoe UI" panose="020B0502040204020203" pitchFamily="34" charset="0"/>
-                </a:rPr>
-                <a:t>STRATEGY HUMAN RESOURCES:</a:t>
-              </a:r>
-            </a:p>
-          </p:txBody>
-        </p:sp>
-        <p:sp>
-          <p:nvSpPr>
-            <p:cNvPr id="107" name="Rectangle 106">
-              <a:extLst>
-                <a:ext uri="{FF2B5EF4-FFF2-40B4-BE49-F238E27FC236}">
-                  <a16:creationId xmlns:a16="http://schemas.microsoft.com/office/drawing/2014/main" id="{D6D9691D-4606-4981-97A5-3BEAC7F0804E}"/>
-                </a:ext>
-              </a:extLst>
-            </p:cNvPr>
-            <p:cNvSpPr/>
-            <p:nvPr/>
-          </p:nvSpPr>
-          <p:spPr>
-            <a:xfrm>
-              <a:off x="8483139" y="5372393"/>
-              <a:ext cx="2975669" cy="492443"/>
-            </a:xfrm>
-            <a:prstGeom prst="rect">
-              <a:avLst/>
-            </a:prstGeom>
-          </p:spPr>
-          <p:txBody>
-            <a:bodyPr wrap="square" lIns="0" tIns="0" rIns="0" bIns="0">
-              <a:spAutoFit/>
-            </a:bodyPr>
-            <a:lstStyle/>
-            <a:p>
-              <a:r>
-                <a:rPr lang="en-US" sz="1600" i="1" dirty="0">
-                  <a:solidFill>
-                    <a:srgbClr val="002060"/>
-                  </a:solidFill>
-                  <a:latin typeface="+mj-lt"/>
-                  <a:cs typeface="Segoe UI" panose="020B0502040204020203" pitchFamily="34" charset="0"/>
-                </a:rPr>
-                <a:t>Lorem ipsum dolor sit amet, consectetur adipiscing elit. </a:t>
-              </a:r>
             </a:p>
           </p:txBody>
         </p:sp>
